--- a/Figures/RAP2.pptx
+++ b/Figures/RAP2.pptx
@@ -16,6 +16,7 @@
     <p:sldId id="264" r:id="rId13"/>
     <p:sldId id="265" r:id="rId14"/>
     <p:sldId id="266" r:id="rId15"/>
+    <p:sldId id="267" r:id="rId16"/>
   </p:sldIdLst>
   <p:sldSz cx="12192000" cy="6858000"/>
   <p:notesSz cx="6858000" cy="9144000"/>
@@ -8179,6 +8180,1466 @@
     <p:extLst>
       <p:ext uri="{BB962C8B-B14F-4D97-AF65-F5344CB8AC3E}">
         <p14:creationId xmlns:p14="http://schemas.microsoft.com/office/powerpoint/2010/main" val="1657521619"/>
+      </p:ext>
+    </p:extLst>
+  </p:cSld>
+  <p:clrMapOvr>
+    <a:masterClrMapping/>
+  </p:clrMapOvr>
+</p:sld>
+</file>
+
+<file path=ppt/slides/slide12.xml><?xml version="1.0" encoding="utf-8"?>
+<p:sld xmlns:a="http://schemas.openxmlformats.org/drawingml/2006/main" xmlns:r="http://schemas.openxmlformats.org/officeDocument/2006/relationships" xmlns:p="http://schemas.openxmlformats.org/presentationml/2006/main">
+  <p:cSld>
+    <p:spTree>
+      <p:nvGrpSpPr>
+        <p:cNvPr id="1" name=""/>
+        <p:cNvGrpSpPr/>
+        <p:nvPr/>
+      </p:nvGrpSpPr>
+      <p:grpSpPr>
+        <a:xfrm>
+          <a:off x="0" y="0"/>
+          <a:ext cx="0" cy="0"/>
+          <a:chOff x="0" y="0"/>
+          <a:chExt cx="0" cy="0"/>
+        </a:xfrm>
+      </p:grpSpPr>
+      <p:sp>
+        <p:nvSpPr>
+          <p:cNvPr id="2" name="椭圆 1">
+            <a:extLst>
+              <a:ext uri="{FF2B5EF4-FFF2-40B4-BE49-F238E27FC236}">
+                <a16:creationId xmlns:a16="http://schemas.microsoft.com/office/drawing/2014/main" id="{2D4B74AE-ED98-7EEA-CE52-28AD0816D459}"/>
+              </a:ext>
+            </a:extLst>
+          </p:cNvPr>
+          <p:cNvSpPr/>
+          <p:nvPr/>
+        </p:nvSpPr>
+        <p:spPr>
+          <a:xfrm>
+            <a:off x="3392261" y="2668223"/>
+            <a:ext cx="1287709" cy="377505"/>
+          </a:xfrm>
+          <a:prstGeom prst="ellipse">
+            <a:avLst/>
+          </a:prstGeom>
+          <a:solidFill>
+            <a:schemeClr val="bg2"/>
+          </a:solidFill>
+        </p:spPr>
+        <p:style>
+          <a:lnRef idx="2">
+            <a:schemeClr val="accent6"/>
+          </a:lnRef>
+          <a:fillRef idx="1">
+            <a:schemeClr val="lt1"/>
+          </a:fillRef>
+          <a:effectRef idx="0">
+            <a:schemeClr val="accent6"/>
+          </a:effectRef>
+          <a:fontRef idx="minor">
+            <a:schemeClr val="dk1"/>
+          </a:fontRef>
+        </p:style>
+        <p:txBody>
+          <a:bodyPr rtlCol="0" anchor="ctr"/>
+          <a:lstStyle/>
+          <a:p>
+            <a:pPr algn="ctr"/>
+            <a:r>
+              <a:rPr lang="en-US" altLang="zh-CN" dirty="0" err="1"/>
+              <a:t>Arr</a:t>
+            </a:r>
+            <a:endParaRPr lang="zh-CN" altLang="en-US" dirty="0"/>
+          </a:p>
+        </p:txBody>
+      </p:sp>
+      <p:cxnSp>
+        <p:nvCxnSpPr>
+          <p:cNvPr id="4" name="连接符: 曲线 3">
+            <a:extLst>
+              <a:ext uri="{FF2B5EF4-FFF2-40B4-BE49-F238E27FC236}">
+                <a16:creationId xmlns:a16="http://schemas.microsoft.com/office/drawing/2014/main" id="{71CE6371-7334-602C-25CA-F8E96F7AABC6}"/>
+              </a:ext>
+            </a:extLst>
+          </p:cNvPr>
+          <p:cNvCxnSpPr>
+            <a:cxnSpLocks/>
+            <a:stCxn id="2" idx="1"/>
+            <a:endCxn id="2" idx="7"/>
+          </p:cNvCxnSpPr>
+          <p:nvPr/>
+        </p:nvCxnSpPr>
+        <p:spPr>
+          <a:xfrm rot="5400000" flipH="1" flipV="1">
+            <a:off x="4036115" y="2268234"/>
+            <a:ext cx="12700" cy="910547"/>
+          </a:xfrm>
+          <a:prstGeom prst="curvedConnector3">
+            <a:avLst>
+              <a:gd name="adj1" fmla="val 2235307"/>
+            </a:avLst>
+          </a:prstGeom>
+          <a:ln>
+            <a:tailEnd type="triangle"/>
+          </a:ln>
+        </p:spPr>
+        <p:style>
+          <a:lnRef idx="1">
+            <a:schemeClr val="accent6"/>
+          </a:lnRef>
+          <a:fillRef idx="0">
+            <a:schemeClr val="accent6"/>
+          </a:fillRef>
+          <a:effectRef idx="0">
+            <a:schemeClr val="accent6"/>
+          </a:effectRef>
+          <a:fontRef idx="minor">
+            <a:schemeClr val="tx1"/>
+          </a:fontRef>
+        </p:style>
+      </p:cxnSp>
+      <p:sp>
+        <p:nvSpPr>
+          <p:cNvPr id="6" name="椭圆 5">
+            <a:extLst>
+              <a:ext uri="{FF2B5EF4-FFF2-40B4-BE49-F238E27FC236}">
+                <a16:creationId xmlns:a16="http://schemas.microsoft.com/office/drawing/2014/main" id="{A4B8EE6B-59DF-3E24-9625-AD719504EBBB}"/>
+              </a:ext>
+            </a:extLst>
+          </p:cNvPr>
+          <p:cNvSpPr/>
+          <p:nvPr/>
+        </p:nvSpPr>
+        <p:spPr>
+          <a:xfrm>
+            <a:off x="5593800" y="2554958"/>
+            <a:ext cx="1287709" cy="604034"/>
+          </a:xfrm>
+          <a:prstGeom prst="ellipse">
+            <a:avLst/>
+          </a:prstGeom>
+          <a:solidFill>
+            <a:schemeClr val="bg2"/>
+          </a:solidFill>
+        </p:spPr>
+        <p:style>
+          <a:lnRef idx="2">
+            <a:schemeClr val="accent6"/>
+          </a:lnRef>
+          <a:fillRef idx="1">
+            <a:schemeClr val="lt1"/>
+          </a:fillRef>
+          <a:effectRef idx="0">
+            <a:schemeClr val="accent6"/>
+          </a:effectRef>
+          <a:fontRef idx="minor">
+            <a:schemeClr val="dk1"/>
+          </a:fontRef>
+        </p:style>
+        <p:txBody>
+          <a:bodyPr rtlCol="0" anchor="ctr"/>
+          <a:lstStyle/>
+          <a:p>
+            <a:pPr algn="ctr"/>
+            <a:r>
+              <a:rPr lang="en-US" altLang="zh-CN" dirty="0"/>
+              <a:t>Start proc</a:t>
+            </a:r>
+            <a:endParaRPr lang="zh-CN" altLang="en-US" dirty="0"/>
+          </a:p>
+        </p:txBody>
+      </p:sp>
+      <p:sp>
+        <p:nvSpPr>
+          <p:cNvPr id="7" name="椭圆 6">
+            <a:extLst>
+              <a:ext uri="{FF2B5EF4-FFF2-40B4-BE49-F238E27FC236}">
+                <a16:creationId xmlns:a16="http://schemas.microsoft.com/office/drawing/2014/main" id="{49AD47F0-4813-DE7A-77D9-F8842AA8E777}"/>
+              </a:ext>
+            </a:extLst>
+          </p:cNvPr>
+          <p:cNvSpPr/>
+          <p:nvPr/>
+        </p:nvSpPr>
+        <p:spPr>
+          <a:xfrm>
+            <a:off x="7992334" y="2554958"/>
+            <a:ext cx="1287709" cy="604034"/>
+          </a:xfrm>
+          <a:prstGeom prst="ellipse">
+            <a:avLst/>
+          </a:prstGeom>
+          <a:solidFill>
+            <a:schemeClr val="bg2"/>
+          </a:solidFill>
+        </p:spPr>
+        <p:style>
+          <a:lnRef idx="2">
+            <a:schemeClr val="accent6"/>
+          </a:lnRef>
+          <a:fillRef idx="1">
+            <a:schemeClr val="lt1"/>
+          </a:fillRef>
+          <a:effectRef idx="0">
+            <a:schemeClr val="accent6"/>
+          </a:effectRef>
+          <a:fontRef idx="minor">
+            <a:schemeClr val="dk1"/>
+          </a:fontRef>
+        </p:style>
+        <p:txBody>
+          <a:bodyPr rtlCol="0" anchor="ctr"/>
+          <a:lstStyle/>
+          <a:p>
+            <a:pPr algn="ctr"/>
+            <a:r>
+              <a:rPr lang="en-US" altLang="zh-CN" dirty="0"/>
+              <a:t>Fin proc</a:t>
+            </a:r>
+            <a:endParaRPr lang="zh-CN" altLang="en-US" dirty="0"/>
+          </a:p>
+        </p:txBody>
+      </p:sp>
+      <p:cxnSp>
+        <p:nvCxnSpPr>
+          <p:cNvPr id="9" name="直接箭头连接符 8">
+            <a:extLst>
+              <a:ext uri="{FF2B5EF4-FFF2-40B4-BE49-F238E27FC236}">
+                <a16:creationId xmlns:a16="http://schemas.microsoft.com/office/drawing/2014/main" id="{5A62E64C-0002-3B32-1239-BA4A90B73814}"/>
+              </a:ext>
+            </a:extLst>
+          </p:cNvPr>
+          <p:cNvCxnSpPr>
+            <a:stCxn id="2" idx="6"/>
+            <a:endCxn id="6" idx="2"/>
+          </p:cNvCxnSpPr>
+          <p:nvPr/>
+        </p:nvCxnSpPr>
+        <p:spPr>
+          <a:xfrm flipV="1">
+            <a:off x="4679970" y="2856975"/>
+            <a:ext cx="913830" cy="1"/>
+          </a:xfrm>
+          <a:prstGeom prst="straightConnector1">
+            <a:avLst/>
+          </a:prstGeom>
+          <a:ln>
+            <a:tailEnd type="triangle"/>
+          </a:ln>
+        </p:spPr>
+        <p:style>
+          <a:lnRef idx="1">
+            <a:schemeClr val="dk1"/>
+          </a:lnRef>
+          <a:fillRef idx="0">
+            <a:schemeClr val="dk1"/>
+          </a:fillRef>
+          <a:effectRef idx="0">
+            <a:schemeClr val="dk1"/>
+          </a:effectRef>
+          <a:fontRef idx="minor">
+            <a:schemeClr val="tx1"/>
+          </a:fontRef>
+        </p:style>
+      </p:cxnSp>
+      <p:cxnSp>
+        <p:nvCxnSpPr>
+          <p:cNvPr id="11" name="直接箭头连接符 10">
+            <a:extLst>
+              <a:ext uri="{FF2B5EF4-FFF2-40B4-BE49-F238E27FC236}">
+                <a16:creationId xmlns:a16="http://schemas.microsoft.com/office/drawing/2014/main" id="{678EC6CC-F35A-9108-D00B-052B7F02E6D4}"/>
+              </a:ext>
+            </a:extLst>
+          </p:cNvPr>
+          <p:cNvCxnSpPr>
+            <a:stCxn id="6" idx="6"/>
+            <a:endCxn id="7" idx="2"/>
+          </p:cNvCxnSpPr>
+          <p:nvPr/>
+        </p:nvCxnSpPr>
+        <p:spPr>
+          <a:xfrm>
+            <a:off x="6881509" y="2856975"/>
+            <a:ext cx="1110825" cy="0"/>
+          </a:xfrm>
+          <a:prstGeom prst="straightConnector1">
+            <a:avLst/>
+          </a:prstGeom>
+          <a:ln>
+            <a:tailEnd type="triangle"/>
+          </a:ln>
+        </p:spPr>
+        <p:style>
+          <a:lnRef idx="1">
+            <a:schemeClr val="dk1"/>
+          </a:lnRef>
+          <a:fillRef idx="0">
+            <a:schemeClr val="dk1"/>
+          </a:fillRef>
+          <a:effectRef idx="0">
+            <a:schemeClr val="dk1"/>
+          </a:effectRef>
+          <a:fontRef idx="minor">
+            <a:schemeClr val="tx1"/>
+          </a:fontRef>
+        </p:style>
+      </p:cxnSp>
+      <p:cxnSp>
+        <p:nvCxnSpPr>
+          <p:cNvPr id="13" name="连接符: 曲线 12">
+            <a:extLst>
+              <a:ext uri="{FF2B5EF4-FFF2-40B4-BE49-F238E27FC236}">
+                <a16:creationId xmlns:a16="http://schemas.microsoft.com/office/drawing/2014/main" id="{A9DEDDC9-019E-10F2-D596-014F50D5815B}"/>
+              </a:ext>
+            </a:extLst>
+          </p:cNvPr>
+          <p:cNvCxnSpPr>
+            <a:stCxn id="7" idx="0"/>
+            <a:endCxn id="6" idx="0"/>
+          </p:cNvCxnSpPr>
+          <p:nvPr/>
+        </p:nvCxnSpPr>
+        <p:spPr>
+          <a:xfrm rot="16200000" flipV="1">
+            <a:off x="7436922" y="1355691"/>
+            <a:ext cx="12700" cy="2398534"/>
+          </a:xfrm>
+          <a:prstGeom prst="curvedConnector3">
+            <a:avLst>
+              <a:gd name="adj1" fmla="val 1800000"/>
+            </a:avLst>
+          </a:prstGeom>
+          <a:ln>
+            <a:tailEnd type="triangle"/>
+          </a:ln>
+        </p:spPr>
+        <p:style>
+          <a:lnRef idx="1">
+            <a:schemeClr val="dk1"/>
+          </a:lnRef>
+          <a:fillRef idx="0">
+            <a:schemeClr val="dk1"/>
+          </a:fillRef>
+          <a:effectRef idx="0">
+            <a:schemeClr val="dk1"/>
+          </a:effectRef>
+          <a:fontRef idx="minor">
+            <a:schemeClr val="tx1"/>
+          </a:fontRef>
+        </p:style>
+      </p:cxnSp>
+      <mc:AlternateContent xmlns:mc="http://schemas.openxmlformats.org/markup-compatibility/2006">
+        <mc:Choice xmlns:a14="http://schemas.microsoft.com/office/drawing/2010/main" Requires="a14">
+          <p:sp>
+            <p:nvSpPr>
+              <p:cNvPr id="14" name="文本框 13">
+                <a:extLst>
+                  <a:ext uri="{FF2B5EF4-FFF2-40B4-BE49-F238E27FC236}">
+                    <a16:creationId xmlns:a16="http://schemas.microsoft.com/office/drawing/2014/main" id="{BBE7B335-9E72-AC48-F0CE-AE69600669F7}"/>
+                  </a:ext>
+                </a:extLst>
+              </p:cNvPr>
+              <p:cNvSpPr txBox="1"/>
+              <p:nvPr/>
+            </p:nvSpPr>
+            <p:spPr>
+              <a:xfrm>
+                <a:off x="3260694" y="3039672"/>
+                <a:ext cx="1570304" cy="276999"/>
+              </a:xfrm>
+              <a:prstGeom prst="rect">
+                <a:avLst/>
+              </a:prstGeom>
+              <a:noFill/>
+            </p:spPr>
+            <p:txBody>
+              <a:bodyPr wrap="square" rtlCol="0">
+                <a:spAutoFit/>
+              </a:bodyPr>
+              <a:lstStyle/>
+              <a:p>
+                <a:pPr/>
+                <a14:m>
+                  <m:oMathPara xmlns:m="http://schemas.openxmlformats.org/officeDocument/2006/math">
+                    <m:oMathParaPr>
+                      <m:jc m:val="centerGroup"/>
+                    </m:oMathParaPr>
+                    <m:oMath xmlns:m="http://schemas.openxmlformats.org/officeDocument/2006/math">
+                      <m:r>
+                        <a:rPr lang="en-US" altLang="zh-CN" sz="1200" b="0" i="1" smtClean="0">
+                          <a:latin typeface="Cambria Math" panose="02040503050406030204" pitchFamily="18" charset="0"/>
+                        </a:rPr>
+                        <m:t>𝑞𝑢𝑒𝑢𝑒</m:t>
+                      </m:r>
+                      <m:r>
+                        <a:rPr lang="en-US" altLang="zh-CN" sz="1200" b="0" i="1" smtClean="0">
+                          <a:latin typeface="Cambria Math" panose="02040503050406030204" pitchFamily="18" charset="0"/>
+                        </a:rPr>
+                        <m:t>=</m:t>
+                      </m:r>
+                      <m:r>
+                        <a:rPr lang="en-US" altLang="zh-CN" sz="1200" b="0" i="1" smtClean="0">
+                          <a:latin typeface="Cambria Math" panose="02040503050406030204" pitchFamily="18" charset="0"/>
+                        </a:rPr>
+                        <m:t>𝑞𝑢𝑒𝑢𝑒</m:t>
+                      </m:r>
+                      <m:r>
+                        <a:rPr lang="en-US" altLang="zh-CN" sz="1200" b="0" i="1" smtClean="0">
+                          <a:latin typeface="Cambria Math" panose="02040503050406030204" pitchFamily="18" charset="0"/>
+                        </a:rPr>
+                        <m:t>+1</m:t>
+                      </m:r>
+                    </m:oMath>
+                  </m:oMathPara>
+                </a14:m>
+                <a:endParaRPr lang="zh-CN" altLang="en-US" sz="1200" dirty="0"/>
+              </a:p>
+            </p:txBody>
+          </p:sp>
+        </mc:Choice>
+        <mc:Fallback>
+          <p:sp>
+            <p:nvSpPr>
+              <p:cNvPr id="14" name="文本框 13">
+                <a:extLst>
+                  <a:ext uri="{FF2B5EF4-FFF2-40B4-BE49-F238E27FC236}">
+                    <a16:creationId xmlns:a16="http://schemas.microsoft.com/office/drawing/2014/main" id="{BBE7B335-9E72-AC48-F0CE-AE69600669F7}"/>
+                  </a:ext>
+                </a:extLst>
+              </p:cNvPr>
+              <p:cNvSpPr txBox="1">
+                <a:spLocks noRot="1" noChangeAspect="1" noMove="1" noResize="1" noEditPoints="1" noAdjustHandles="1" noChangeArrowheads="1" noChangeShapeType="1" noTextEdit="1"/>
+              </p:cNvSpPr>
+              <p:nvPr/>
+            </p:nvSpPr>
+            <p:spPr>
+              <a:xfrm>
+                <a:off x="3260694" y="3039672"/>
+                <a:ext cx="1570304" cy="276999"/>
+              </a:xfrm>
+              <a:prstGeom prst="rect">
+                <a:avLst/>
+              </a:prstGeom>
+              <a:blipFill>
+                <a:blip r:embed="rId2"/>
+                <a:stretch>
+                  <a:fillRect/>
+                </a:stretch>
+              </a:blipFill>
+            </p:spPr>
+            <p:txBody>
+              <a:bodyPr/>
+              <a:lstStyle/>
+              <a:p>
+                <a:r>
+                  <a:rPr lang="zh-CN" altLang="en-US">
+                    <a:noFill/>
+                  </a:rPr>
+                  <a:t> </a:t>
+                </a:r>
+              </a:p>
+            </p:txBody>
+          </p:sp>
+        </mc:Fallback>
+      </mc:AlternateContent>
+      <mc:AlternateContent xmlns:mc="http://schemas.openxmlformats.org/markup-compatibility/2006">
+        <mc:Choice xmlns:a14="http://schemas.microsoft.com/office/drawing/2010/main" Requires="a14">
+          <p:sp>
+            <p:nvSpPr>
+              <p:cNvPr id="15" name="文本框 14">
+                <a:extLst>
+                  <a:ext uri="{FF2B5EF4-FFF2-40B4-BE49-F238E27FC236}">
+                    <a16:creationId xmlns:a16="http://schemas.microsoft.com/office/drawing/2014/main" id="{1A2BC3DA-A847-2983-A98D-81CC6AAF5DDA}"/>
+                  </a:ext>
+                </a:extLst>
+              </p:cNvPr>
+              <p:cNvSpPr txBox="1"/>
+              <p:nvPr/>
+            </p:nvSpPr>
+            <p:spPr>
+              <a:xfrm>
+                <a:off x="4520366" y="2899443"/>
+                <a:ext cx="1036042" cy="277640"/>
+              </a:xfrm>
+              <a:prstGeom prst="rect">
+                <a:avLst/>
+              </a:prstGeom>
+              <a:noFill/>
+            </p:spPr>
+            <p:txBody>
+              <a:bodyPr wrap="square" rtlCol="0">
+                <a:spAutoFit/>
+              </a:bodyPr>
+              <a:lstStyle/>
+              <a:p>
+                <a:pPr/>
+                <a14:m>
+                  <m:oMathPara xmlns:m="http://schemas.openxmlformats.org/officeDocument/2006/math">
+                    <m:oMathParaPr>
+                      <m:jc m:val="centerGroup"/>
+                    </m:oMathParaPr>
+                    <m:oMath xmlns:m="http://schemas.openxmlformats.org/officeDocument/2006/math">
+                      <m:r>
+                        <a:rPr lang="en-US" altLang="zh-CN" sz="1200" b="0" i="1" smtClean="0">
+                          <a:latin typeface="Cambria Math" panose="02040503050406030204" pitchFamily="18" charset="0"/>
+                        </a:rPr>
+                        <m:t>𝑖𝑑𝑙𝑒</m:t>
+                      </m:r>
+                      <m:r>
+                        <a:rPr lang="en-US" altLang="zh-CN" sz="1200" b="0" i="1" smtClean="0">
+                          <a:latin typeface="Cambria Math" panose="02040503050406030204" pitchFamily="18" charset="0"/>
+                        </a:rPr>
+                        <m:t>≥1</m:t>
+                      </m:r>
+                    </m:oMath>
+                  </m:oMathPara>
+                </a14:m>
+                <a:endParaRPr lang="zh-CN" altLang="en-US" sz="1200" dirty="0"/>
+              </a:p>
+            </p:txBody>
+          </p:sp>
+        </mc:Choice>
+        <mc:Fallback>
+          <p:sp>
+            <p:nvSpPr>
+              <p:cNvPr id="15" name="文本框 14">
+                <a:extLst>
+                  <a:ext uri="{FF2B5EF4-FFF2-40B4-BE49-F238E27FC236}">
+                    <a16:creationId xmlns:a16="http://schemas.microsoft.com/office/drawing/2014/main" id="{1A2BC3DA-A847-2983-A98D-81CC6AAF5DDA}"/>
+                  </a:ext>
+                </a:extLst>
+              </p:cNvPr>
+              <p:cNvSpPr txBox="1">
+                <a:spLocks noRot="1" noChangeAspect="1" noMove="1" noResize="1" noEditPoints="1" noAdjustHandles="1" noChangeArrowheads="1" noChangeShapeType="1" noTextEdit="1"/>
+              </p:cNvSpPr>
+              <p:nvPr/>
+            </p:nvSpPr>
+            <p:spPr>
+              <a:xfrm>
+                <a:off x="4520366" y="2899443"/>
+                <a:ext cx="1036042" cy="277640"/>
+              </a:xfrm>
+              <a:prstGeom prst="rect">
+                <a:avLst/>
+              </a:prstGeom>
+              <a:blipFill>
+                <a:blip r:embed="rId3"/>
+                <a:stretch>
+                  <a:fillRect/>
+                </a:stretch>
+              </a:blipFill>
+            </p:spPr>
+            <p:txBody>
+              <a:bodyPr/>
+              <a:lstStyle/>
+              <a:p>
+                <a:r>
+                  <a:rPr lang="zh-CN" altLang="en-US">
+                    <a:noFill/>
+                  </a:rPr>
+                  <a:t> </a:t>
+                </a:r>
+              </a:p>
+            </p:txBody>
+          </p:sp>
+        </mc:Fallback>
+      </mc:AlternateContent>
+      <mc:AlternateContent xmlns:mc="http://schemas.openxmlformats.org/markup-compatibility/2006">
+        <mc:Choice xmlns:a14="http://schemas.microsoft.com/office/drawing/2010/main" Requires="a14">
+          <p:sp>
+            <p:nvSpPr>
+              <p:cNvPr id="16" name="文本框 15">
+                <a:extLst>
+                  <a:ext uri="{FF2B5EF4-FFF2-40B4-BE49-F238E27FC236}">
+                    <a16:creationId xmlns:a16="http://schemas.microsoft.com/office/drawing/2014/main" id="{D36ADCD9-DCB0-DBE2-90F7-6BF01139E0CC}"/>
+                  </a:ext>
+                </a:extLst>
+              </p:cNvPr>
+              <p:cNvSpPr txBox="1"/>
+              <p:nvPr/>
+            </p:nvSpPr>
+            <p:spPr>
+              <a:xfrm>
+                <a:off x="5452502" y="3140427"/>
+                <a:ext cx="1570304" cy="461665"/>
+              </a:xfrm>
+              <a:prstGeom prst="rect">
+                <a:avLst/>
+              </a:prstGeom>
+              <a:noFill/>
+            </p:spPr>
+            <p:txBody>
+              <a:bodyPr wrap="square" rtlCol="0">
+                <a:spAutoFit/>
+              </a:bodyPr>
+              <a:lstStyle/>
+              <a:p>
+                <a:pPr/>
+                <a14:m>
+                  <m:oMathPara xmlns:m="http://schemas.openxmlformats.org/officeDocument/2006/math">
+                    <m:oMathParaPr>
+                      <m:jc m:val="centerGroup"/>
+                    </m:oMathParaPr>
+                    <m:oMath xmlns:m="http://schemas.openxmlformats.org/officeDocument/2006/math">
+                      <m:r>
+                        <a:rPr lang="en-US" altLang="zh-CN" sz="1200" b="0" i="1" smtClean="0">
+                          <a:latin typeface="Cambria Math" panose="02040503050406030204" pitchFamily="18" charset="0"/>
+                        </a:rPr>
+                        <m:t>𝑖𝑑𝑙𝑒</m:t>
+                      </m:r>
+                      <m:r>
+                        <a:rPr lang="en-US" altLang="zh-CN" sz="1200" b="0" i="1" smtClean="0">
+                          <a:latin typeface="Cambria Math" panose="02040503050406030204" pitchFamily="18" charset="0"/>
+                        </a:rPr>
+                        <m:t>=</m:t>
+                      </m:r>
+                      <m:r>
+                        <a:rPr lang="en-US" altLang="zh-CN" sz="1200" b="0" i="1" smtClean="0">
+                          <a:latin typeface="Cambria Math" panose="02040503050406030204" pitchFamily="18" charset="0"/>
+                        </a:rPr>
+                        <m:t>𝑖𝑑𝑙𝑒</m:t>
+                      </m:r>
+                      <m:r>
+                        <a:rPr lang="en-US" altLang="zh-CN" sz="1200" b="0" i="1" smtClean="0">
+                          <a:latin typeface="Cambria Math" panose="02040503050406030204" pitchFamily="18" charset="0"/>
+                        </a:rPr>
+                        <m:t>−1</m:t>
+                      </m:r>
+                    </m:oMath>
+                  </m:oMathPara>
+                </a14:m>
+                <a:endParaRPr lang="en-US" altLang="zh-CN" sz="1200" dirty="0"/>
+              </a:p>
+              <a:p>
+                <a:pPr/>
+                <a14:m>
+                  <m:oMathPara xmlns:m="http://schemas.openxmlformats.org/officeDocument/2006/math">
+                    <m:oMathParaPr>
+                      <m:jc m:val="centerGroup"/>
+                    </m:oMathParaPr>
+                    <m:oMath xmlns:m="http://schemas.openxmlformats.org/officeDocument/2006/math">
+                      <m:r>
+                        <a:rPr lang="en-US" altLang="zh-CN" sz="1200" b="0" i="1" smtClean="0">
+                          <a:latin typeface="Cambria Math" panose="02040503050406030204" pitchFamily="18" charset="0"/>
+                        </a:rPr>
+                        <m:t>𝑞𝑢𝑒𝑢𝑒</m:t>
+                      </m:r>
+                      <m:r>
+                        <a:rPr lang="en-US" altLang="zh-CN" sz="1200" b="0" i="1" smtClean="0">
+                          <a:latin typeface="Cambria Math" panose="02040503050406030204" pitchFamily="18" charset="0"/>
+                        </a:rPr>
+                        <m:t>=</m:t>
+                      </m:r>
+                      <m:r>
+                        <a:rPr lang="en-US" altLang="zh-CN" sz="1200" b="0" i="1" smtClean="0">
+                          <a:latin typeface="Cambria Math" panose="02040503050406030204" pitchFamily="18" charset="0"/>
+                        </a:rPr>
+                        <m:t>𝑞𝑢𝑒𝑢𝑒</m:t>
+                      </m:r>
+                      <m:r>
+                        <a:rPr lang="en-US" altLang="zh-CN" sz="1200" b="0" i="1" smtClean="0">
+                          <a:latin typeface="Cambria Math" panose="02040503050406030204" pitchFamily="18" charset="0"/>
+                        </a:rPr>
+                        <m:t>−1</m:t>
+                      </m:r>
+                    </m:oMath>
+                  </m:oMathPara>
+                </a14:m>
+                <a:endParaRPr lang="zh-CN" altLang="en-US" sz="1200" dirty="0"/>
+              </a:p>
+            </p:txBody>
+          </p:sp>
+        </mc:Choice>
+        <mc:Fallback>
+          <p:sp>
+            <p:nvSpPr>
+              <p:cNvPr id="16" name="文本框 15">
+                <a:extLst>
+                  <a:ext uri="{FF2B5EF4-FFF2-40B4-BE49-F238E27FC236}">
+                    <a16:creationId xmlns:a16="http://schemas.microsoft.com/office/drawing/2014/main" id="{D36ADCD9-DCB0-DBE2-90F7-6BF01139E0CC}"/>
+                  </a:ext>
+                </a:extLst>
+              </p:cNvPr>
+              <p:cNvSpPr txBox="1">
+                <a:spLocks noRot="1" noChangeAspect="1" noMove="1" noResize="1" noEditPoints="1" noAdjustHandles="1" noChangeArrowheads="1" noChangeShapeType="1" noTextEdit="1"/>
+              </p:cNvSpPr>
+              <p:nvPr/>
+            </p:nvSpPr>
+            <p:spPr>
+              <a:xfrm>
+                <a:off x="5452502" y="3140427"/>
+                <a:ext cx="1570304" cy="461665"/>
+              </a:xfrm>
+              <a:prstGeom prst="rect">
+                <a:avLst/>
+              </a:prstGeom>
+              <a:blipFill>
+                <a:blip r:embed="rId4"/>
+                <a:stretch>
+                  <a:fillRect/>
+                </a:stretch>
+              </a:blipFill>
+            </p:spPr>
+            <p:txBody>
+              <a:bodyPr/>
+              <a:lstStyle/>
+              <a:p>
+                <a:r>
+                  <a:rPr lang="zh-CN" altLang="en-US">
+                    <a:noFill/>
+                  </a:rPr>
+                  <a:t> </a:t>
+                </a:r>
+              </a:p>
+            </p:txBody>
+          </p:sp>
+        </mc:Fallback>
+      </mc:AlternateContent>
+      <mc:AlternateContent xmlns:mc="http://schemas.openxmlformats.org/markup-compatibility/2006">
+        <mc:Choice xmlns:a14="http://schemas.microsoft.com/office/drawing/2010/main" Requires="a14">
+          <p:sp>
+            <p:nvSpPr>
+              <p:cNvPr id="17" name="文本框 16">
+                <a:extLst>
+                  <a:ext uri="{FF2B5EF4-FFF2-40B4-BE49-F238E27FC236}">
+                    <a16:creationId xmlns:a16="http://schemas.microsoft.com/office/drawing/2014/main" id="{9B12B847-033E-252E-4689-28D6E7DC68E1}"/>
+                  </a:ext>
+                </a:extLst>
+              </p:cNvPr>
+              <p:cNvSpPr txBox="1"/>
+              <p:nvPr/>
+            </p:nvSpPr>
+            <p:spPr>
+              <a:xfrm>
+                <a:off x="7900855" y="3171500"/>
+                <a:ext cx="1470666" cy="276999"/>
+              </a:xfrm>
+              <a:prstGeom prst="rect">
+                <a:avLst/>
+              </a:prstGeom>
+              <a:noFill/>
+            </p:spPr>
+            <p:txBody>
+              <a:bodyPr wrap="square" rtlCol="0">
+                <a:spAutoFit/>
+              </a:bodyPr>
+              <a:lstStyle/>
+              <a:p>
+                <a:pPr/>
+                <a14:m>
+                  <m:oMathPara xmlns:m="http://schemas.openxmlformats.org/officeDocument/2006/math">
+                    <m:oMathParaPr>
+                      <m:jc m:val="centerGroup"/>
+                    </m:oMathParaPr>
+                    <m:oMath xmlns:m="http://schemas.openxmlformats.org/officeDocument/2006/math">
+                      <m:r>
+                        <a:rPr lang="en-US" altLang="zh-CN" sz="1200" b="0" i="1" smtClean="0">
+                          <a:latin typeface="Cambria Math" panose="02040503050406030204" pitchFamily="18" charset="0"/>
+                        </a:rPr>
+                        <m:t>𝑖𝑑𝑙𝑒</m:t>
+                      </m:r>
+                      <m:r>
+                        <a:rPr lang="en-US" altLang="zh-CN" sz="1200" b="0" i="1" smtClean="0">
+                          <a:latin typeface="Cambria Math" panose="02040503050406030204" pitchFamily="18" charset="0"/>
+                        </a:rPr>
+                        <m:t>=</m:t>
+                      </m:r>
+                      <m:r>
+                        <a:rPr lang="en-US" altLang="zh-CN" sz="1200" b="0" i="1" smtClean="0">
+                          <a:latin typeface="Cambria Math" panose="02040503050406030204" pitchFamily="18" charset="0"/>
+                        </a:rPr>
+                        <m:t>𝑖𝑑𝑙𝑒</m:t>
+                      </m:r>
+                      <m:r>
+                        <a:rPr lang="en-US" altLang="zh-CN" sz="1200" b="0" i="1" smtClean="0">
+                          <a:latin typeface="Cambria Math" panose="02040503050406030204" pitchFamily="18" charset="0"/>
+                        </a:rPr>
+                        <m:t>+1</m:t>
+                      </m:r>
+                    </m:oMath>
+                  </m:oMathPara>
+                </a14:m>
+                <a:endParaRPr lang="zh-CN" altLang="en-US" sz="1200" dirty="0"/>
+              </a:p>
+            </p:txBody>
+          </p:sp>
+        </mc:Choice>
+        <mc:Fallback>
+          <p:sp>
+            <p:nvSpPr>
+              <p:cNvPr id="17" name="文本框 16">
+                <a:extLst>
+                  <a:ext uri="{FF2B5EF4-FFF2-40B4-BE49-F238E27FC236}">
+                    <a16:creationId xmlns:a16="http://schemas.microsoft.com/office/drawing/2014/main" id="{9B12B847-033E-252E-4689-28D6E7DC68E1}"/>
+                  </a:ext>
+                </a:extLst>
+              </p:cNvPr>
+              <p:cNvSpPr txBox="1">
+                <a:spLocks noRot="1" noChangeAspect="1" noMove="1" noResize="1" noEditPoints="1" noAdjustHandles="1" noChangeArrowheads="1" noChangeShapeType="1" noTextEdit="1"/>
+              </p:cNvSpPr>
+              <p:nvPr/>
+            </p:nvSpPr>
+            <p:spPr>
+              <a:xfrm>
+                <a:off x="7900855" y="3171500"/>
+                <a:ext cx="1470666" cy="276999"/>
+              </a:xfrm>
+              <a:prstGeom prst="rect">
+                <a:avLst/>
+              </a:prstGeom>
+              <a:blipFill>
+                <a:blip r:embed="rId5"/>
+                <a:stretch>
+                  <a:fillRect/>
+                </a:stretch>
+              </a:blipFill>
+            </p:spPr>
+            <p:txBody>
+              <a:bodyPr/>
+              <a:lstStyle/>
+              <a:p>
+                <a:r>
+                  <a:rPr lang="zh-CN" altLang="en-US">
+                    <a:noFill/>
+                  </a:rPr>
+                  <a:t> </a:t>
+                </a:r>
+              </a:p>
+            </p:txBody>
+          </p:sp>
+        </mc:Fallback>
+      </mc:AlternateContent>
+      <p:cxnSp>
+        <p:nvCxnSpPr>
+          <p:cNvPr id="20" name="直接连接符 19">
+            <a:extLst>
+              <a:ext uri="{FF2B5EF4-FFF2-40B4-BE49-F238E27FC236}">
+                <a16:creationId xmlns:a16="http://schemas.microsoft.com/office/drawing/2014/main" id="{D015DA35-CB7F-184B-D677-6B578B2CF194}"/>
+              </a:ext>
+            </a:extLst>
+          </p:cNvPr>
+          <p:cNvCxnSpPr/>
+          <p:nvPr/>
+        </p:nvCxnSpPr>
+        <p:spPr>
+          <a:xfrm>
+            <a:off x="5094177" y="2764207"/>
+            <a:ext cx="0" cy="174458"/>
+          </a:xfrm>
+          <a:prstGeom prst="line">
+            <a:avLst/>
+          </a:prstGeom>
+        </p:spPr>
+        <p:style>
+          <a:lnRef idx="1">
+            <a:schemeClr val="dk1"/>
+          </a:lnRef>
+          <a:fillRef idx="0">
+            <a:schemeClr val="dk1"/>
+          </a:fillRef>
+          <a:effectRef idx="0">
+            <a:schemeClr val="dk1"/>
+          </a:effectRef>
+          <a:fontRef idx="minor">
+            <a:schemeClr val="tx1"/>
+          </a:fontRef>
+        </p:style>
+      </p:cxnSp>
+      <p:cxnSp>
+        <p:nvCxnSpPr>
+          <p:cNvPr id="21" name="直接连接符 20">
+            <a:extLst>
+              <a:ext uri="{FF2B5EF4-FFF2-40B4-BE49-F238E27FC236}">
+                <a16:creationId xmlns:a16="http://schemas.microsoft.com/office/drawing/2014/main" id="{675226D8-6FAF-7F6B-6B0E-1BB6812F0847}"/>
+              </a:ext>
+            </a:extLst>
+          </p:cNvPr>
+          <p:cNvCxnSpPr/>
+          <p:nvPr/>
+        </p:nvCxnSpPr>
+        <p:spPr>
+          <a:xfrm>
+            <a:off x="7436921" y="2236822"/>
+            <a:ext cx="0" cy="174458"/>
+          </a:xfrm>
+          <a:prstGeom prst="line">
+            <a:avLst/>
+          </a:prstGeom>
+        </p:spPr>
+        <p:style>
+          <a:lnRef idx="1">
+            <a:schemeClr val="dk1"/>
+          </a:lnRef>
+          <a:fillRef idx="0">
+            <a:schemeClr val="dk1"/>
+          </a:fillRef>
+          <a:effectRef idx="0">
+            <a:schemeClr val="dk1"/>
+          </a:effectRef>
+          <a:fontRef idx="minor">
+            <a:schemeClr val="tx1"/>
+          </a:fontRef>
+        </p:style>
+      </p:cxnSp>
+      <mc:AlternateContent xmlns:mc="http://schemas.openxmlformats.org/markup-compatibility/2006">
+        <mc:Choice xmlns:a14="http://schemas.microsoft.com/office/drawing/2010/main" Requires="a14">
+          <p:sp>
+            <p:nvSpPr>
+              <p:cNvPr id="22" name="文本框 21">
+                <a:extLst>
+                  <a:ext uri="{FF2B5EF4-FFF2-40B4-BE49-F238E27FC236}">
+                    <a16:creationId xmlns:a16="http://schemas.microsoft.com/office/drawing/2014/main" id="{0FAF6FB8-3686-71F1-A30A-F767028DBB3D}"/>
+                  </a:ext>
+                </a:extLst>
+              </p:cNvPr>
+              <p:cNvSpPr txBox="1"/>
+              <p:nvPr/>
+            </p:nvSpPr>
+            <p:spPr>
+              <a:xfrm>
+                <a:off x="6881509" y="1984314"/>
+                <a:ext cx="1036042" cy="277640"/>
+              </a:xfrm>
+              <a:prstGeom prst="rect">
+                <a:avLst/>
+              </a:prstGeom>
+              <a:noFill/>
+            </p:spPr>
+            <p:txBody>
+              <a:bodyPr wrap="square" rtlCol="0">
+                <a:spAutoFit/>
+              </a:bodyPr>
+              <a:lstStyle/>
+              <a:p>
+                <a:pPr/>
+                <a14:m>
+                  <m:oMathPara xmlns:m="http://schemas.openxmlformats.org/officeDocument/2006/math">
+                    <m:oMathParaPr>
+                      <m:jc m:val="centerGroup"/>
+                    </m:oMathParaPr>
+                    <m:oMath xmlns:m="http://schemas.openxmlformats.org/officeDocument/2006/math">
+                      <m:r>
+                        <a:rPr lang="en-US" altLang="zh-CN" sz="1200" b="0" i="1" smtClean="0">
+                          <a:latin typeface="Cambria Math" panose="02040503050406030204" pitchFamily="18" charset="0"/>
+                        </a:rPr>
+                        <m:t>𝑞𝑢𝑒𝑢𝑒</m:t>
+                      </m:r>
+                      <m:r>
+                        <a:rPr lang="en-US" altLang="zh-CN" sz="1200" b="0" i="1" smtClean="0">
+                          <a:latin typeface="Cambria Math" panose="02040503050406030204" pitchFamily="18" charset="0"/>
+                        </a:rPr>
+                        <m:t>≥1</m:t>
+                      </m:r>
+                    </m:oMath>
+                  </m:oMathPara>
+                </a14:m>
+                <a:endParaRPr lang="zh-CN" altLang="en-US" sz="1200" dirty="0"/>
+              </a:p>
+            </p:txBody>
+          </p:sp>
+        </mc:Choice>
+        <mc:Fallback>
+          <p:sp>
+            <p:nvSpPr>
+              <p:cNvPr id="22" name="文本框 21">
+                <a:extLst>
+                  <a:ext uri="{FF2B5EF4-FFF2-40B4-BE49-F238E27FC236}">
+                    <a16:creationId xmlns:a16="http://schemas.microsoft.com/office/drawing/2014/main" id="{0FAF6FB8-3686-71F1-A30A-F767028DBB3D}"/>
+                  </a:ext>
+                </a:extLst>
+              </p:cNvPr>
+              <p:cNvSpPr txBox="1">
+                <a:spLocks noRot="1" noChangeAspect="1" noMove="1" noResize="1" noEditPoints="1" noAdjustHandles="1" noChangeArrowheads="1" noChangeShapeType="1" noTextEdit="1"/>
+              </p:cNvSpPr>
+              <p:nvPr/>
+            </p:nvSpPr>
+            <p:spPr>
+              <a:xfrm>
+                <a:off x="6881509" y="1984314"/>
+                <a:ext cx="1036042" cy="277640"/>
+              </a:xfrm>
+              <a:prstGeom prst="rect">
+                <a:avLst/>
+              </a:prstGeom>
+              <a:blipFill>
+                <a:blip r:embed="rId6"/>
+                <a:stretch>
+                  <a:fillRect/>
+                </a:stretch>
+              </a:blipFill>
+            </p:spPr>
+            <p:txBody>
+              <a:bodyPr/>
+              <a:lstStyle/>
+              <a:p>
+                <a:r>
+                  <a:rPr lang="zh-CN" altLang="en-US">
+                    <a:noFill/>
+                  </a:rPr>
+                  <a:t> </a:t>
+                </a:r>
+              </a:p>
+            </p:txBody>
+          </p:sp>
+        </mc:Fallback>
+      </mc:AlternateContent>
+      <mc:AlternateContent xmlns:mc="http://schemas.openxmlformats.org/markup-compatibility/2006">
+        <mc:Choice xmlns:a14="http://schemas.microsoft.com/office/drawing/2010/main" Requires="a14">
+          <p:sp>
+            <p:nvSpPr>
+              <p:cNvPr id="23" name="文本框 22">
+                <a:extLst>
+                  <a:ext uri="{FF2B5EF4-FFF2-40B4-BE49-F238E27FC236}">
+                    <a16:creationId xmlns:a16="http://schemas.microsoft.com/office/drawing/2014/main" id="{E3D2881F-8F5E-3F84-2FBB-23DFC7DEE8F5}"/>
+                  </a:ext>
+                </a:extLst>
+              </p:cNvPr>
+              <p:cNvSpPr txBox="1"/>
+              <p:nvPr/>
+            </p:nvSpPr>
+            <p:spPr>
+              <a:xfrm>
+                <a:off x="3524444" y="2185551"/>
+                <a:ext cx="1036042" cy="276999"/>
+              </a:xfrm>
+              <a:prstGeom prst="rect">
+                <a:avLst/>
+              </a:prstGeom>
+              <a:noFill/>
+            </p:spPr>
+            <p:txBody>
+              <a:bodyPr wrap="square" rtlCol="0">
+                <a:spAutoFit/>
+              </a:bodyPr>
+              <a:lstStyle/>
+              <a:p>
+                <a:pPr/>
+                <a14:m>
+                  <m:oMathPara xmlns:m="http://schemas.openxmlformats.org/officeDocument/2006/math">
+                    <m:oMathParaPr>
+                      <m:jc m:val="centerGroup"/>
+                    </m:oMathParaPr>
+                    <m:oMath xmlns:m="http://schemas.openxmlformats.org/officeDocument/2006/math">
+                      <m:r>
+                        <a:rPr lang="en-US" altLang="zh-CN" sz="1200" b="0" i="1" smtClean="0">
+                          <a:latin typeface="Cambria Math" panose="02040503050406030204" pitchFamily="18" charset="0"/>
+                        </a:rPr>
+                        <m:t>𝜏</m:t>
+                      </m:r>
+                      <m:r>
+                        <a:rPr lang="en-US" altLang="zh-CN" sz="1200" b="0" i="1" smtClean="0">
+                          <a:latin typeface="Cambria Math" panose="02040503050406030204" pitchFamily="18" charset="0"/>
+                        </a:rPr>
+                        <m:t>(</m:t>
+                      </m:r>
+                      <m:r>
+                        <a:rPr lang="en-US" altLang="zh-CN" sz="1200" b="0" i="1" smtClean="0">
+                          <a:latin typeface="Cambria Math" panose="02040503050406030204" pitchFamily="18" charset="0"/>
+                        </a:rPr>
+                        <m:t>𝑎𝑟𝑟</m:t>
+                      </m:r>
+                      <m:r>
+                        <a:rPr lang="en-US" altLang="zh-CN" sz="1200" b="0" i="1" smtClean="0">
+                          <a:latin typeface="Cambria Math" panose="02040503050406030204" pitchFamily="18" charset="0"/>
+                        </a:rPr>
+                        <m:t>)</m:t>
+                      </m:r>
+                    </m:oMath>
+                  </m:oMathPara>
+                </a14:m>
+                <a:endParaRPr lang="zh-CN" altLang="en-US" sz="1200" dirty="0"/>
+              </a:p>
+            </p:txBody>
+          </p:sp>
+        </mc:Choice>
+        <mc:Fallback>
+          <p:sp>
+            <p:nvSpPr>
+              <p:cNvPr id="23" name="文本框 22">
+                <a:extLst>
+                  <a:ext uri="{FF2B5EF4-FFF2-40B4-BE49-F238E27FC236}">
+                    <a16:creationId xmlns:a16="http://schemas.microsoft.com/office/drawing/2014/main" id="{E3D2881F-8F5E-3F84-2FBB-23DFC7DEE8F5}"/>
+                  </a:ext>
+                </a:extLst>
+              </p:cNvPr>
+              <p:cNvSpPr txBox="1">
+                <a:spLocks noRot="1" noChangeAspect="1" noMove="1" noResize="1" noEditPoints="1" noAdjustHandles="1" noChangeArrowheads="1" noChangeShapeType="1" noTextEdit="1"/>
+              </p:cNvSpPr>
+              <p:nvPr/>
+            </p:nvSpPr>
+            <p:spPr>
+              <a:xfrm>
+                <a:off x="3524444" y="2185551"/>
+                <a:ext cx="1036042" cy="276999"/>
+              </a:xfrm>
+              <a:prstGeom prst="rect">
+                <a:avLst/>
+              </a:prstGeom>
+              <a:blipFill>
+                <a:blip r:embed="rId7"/>
+                <a:stretch>
+                  <a:fillRect b="-8889"/>
+                </a:stretch>
+              </a:blipFill>
+            </p:spPr>
+            <p:txBody>
+              <a:bodyPr/>
+              <a:lstStyle/>
+              <a:p>
+                <a:r>
+                  <a:rPr lang="zh-CN" altLang="en-US">
+                    <a:noFill/>
+                  </a:rPr>
+                  <a:t> </a:t>
+                </a:r>
+              </a:p>
+            </p:txBody>
+          </p:sp>
+        </mc:Fallback>
+      </mc:AlternateContent>
+      <mc:AlternateContent xmlns:mc="http://schemas.openxmlformats.org/markup-compatibility/2006">
+        <mc:Choice xmlns:a14="http://schemas.microsoft.com/office/drawing/2010/main" Requires="a14">
+          <p:sp>
+            <p:nvSpPr>
+              <p:cNvPr id="24" name="文本框 23">
+                <a:extLst>
+                  <a:ext uri="{FF2B5EF4-FFF2-40B4-BE49-F238E27FC236}">
+                    <a16:creationId xmlns:a16="http://schemas.microsoft.com/office/drawing/2014/main" id="{015F7F87-0B4D-AD2E-8FCB-CF5B4C948A87}"/>
+                  </a:ext>
+                </a:extLst>
+              </p:cNvPr>
+              <p:cNvSpPr txBox="1"/>
+              <p:nvPr/>
+            </p:nvSpPr>
+            <p:spPr>
+              <a:xfrm>
+                <a:off x="6918900" y="2859516"/>
+                <a:ext cx="1036042" cy="276999"/>
+              </a:xfrm>
+              <a:prstGeom prst="rect">
+                <a:avLst/>
+              </a:prstGeom>
+              <a:noFill/>
+            </p:spPr>
+            <p:txBody>
+              <a:bodyPr wrap="square" rtlCol="0">
+                <a:spAutoFit/>
+              </a:bodyPr>
+              <a:lstStyle/>
+              <a:p>
+                <a:pPr/>
+                <a14:m>
+                  <m:oMathPara xmlns:m="http://schemas.openxmlformats.org/officeDocument/2006/math">
+                    <m:oMathParaPr>
+                      <m:jc m:val="centerGroup"/>
+                    </m:oMathParaPr>
+                    <m:oMath xmlns:m="http://schemas.openxmlformats.org/officeDocument/2006/math">
+                      <m:r>
+                        <a:rPr lang="en-US" altLang="zh-CN" sz="1200" b="0" i="1" smtClean="0">
+                          <a:latin typeface="Cambria Math" panose="02040503050406030204" pitchFamily="18" charset="0"/>
+                        </a:rPr>
+                        <m:t>𝜏</m:t>
+                      </m:r>
+                      <m:r>
+                        <a:rPr lang="en-US" altLang="zh-CN" sz="1200" b="0" i="1" smtClean="0">
+                          <a:latin typeface="Cambria Math" panose="02040503050406030204" pitchFamily="18" charset="0"/>
+                        </a:rPr>
+                        <m:t>(</m:t>
+                      </m:r>
+                      <m:r>
+                        <a:rPr lang="en-US" altLang="zh-CN" sz="1200" b="0" i="1" smtClean="0">
+                          <a:latin typeface="Cambria Math" panose="02040503050406030204" pitchFamily="18" charset="0"/>
+                        </a:rPr>
+                        <m:t>𝑝𝑟𝑜𝑐</m:t>
+                      </m:r>
+                      <m:r>
+                        <a:rPr lang="en-US" altLang="zh-CN" sz="1200" b="0" i="1" smtClean="0">
+                          <a:latin typeface="Cambria Math" panose="02040503050406030204" pitchFamily="18" charset="0"/>
+                        </a:rPr>
+                        <m:t>)</m:t>
+                      </m:r>
+                    </m:oMath>
+                  </m:oMathPara>
+                </a14:m>
+                <a:endParaRPr lang="zh-CN" altLang="en-US" sz="1200" dirty="0"/>
+              </a:p>
+            </p:txBody>
+          </p:sp>
+        </mc:Choice>
+        <mc:Fallback>
+          <p:sp>
+            <p:nvSpPr>
+              <p:cNvPr id="24" name="文本框 23">
+                <a:extLst>
+                  <a:ext uri="{FF2B5EF4-FFF2-40B4-BE49-F238E27FC236}">
+                    <a16:creationId xmlns:a16="http://schemas.microsoft.com/office/drawing/2014/main" id="{015F7F87-0B4D-AD2E-8FCB-CF5B4C948A87}"/>
+                  </a:ext>
+                </a:extLst>
+              </p:cNvPr>
+              <p:cNvSpPr txBox="1">
+                <a:spLocks noRot="1" noChangeAspect="1" noMove="1" noResize="1" noEditPoints="1" noAdjustHandles="1" noChangeArrowheads="1" noChangeShapeType="1" noTextEdit="1"/>
+              </p:cNvSpPr>
+              <p:nvPr/>
+            </p:nvSpPr>
+            <p:spPr>
+              <a:xfrm>
+                <a:off x="6918900" y="2859516"/>
+                <a:ext cx="1036042" cy="276999"/>
+              </a:xfrm>
+              <a:prstGeom prst="rect">
+                <a:avLst/>
+              </a:prstGeom>
+              <a:blipFill>
+                <a:blip r:embed="rId8"/>
+                <a:stretch>
+                  <a:fillRect b="-6522"/>
+                </a:stretch>
+              </a:blipFill>
+            </p:spPr>
+            <p:txBody>
+              <a:bodyPr/>
+              <a:lstStyle/>
+              <a:p>
+                <a:r>
+                  <a:rPr lang="zh-CN" altLang="en-US">
+                    <a:noFill/>
+                  </a:rPr>
+                  <a:t> </a:t>
+                </a:r>
+              </a:p>
+            </p:txBody>
+          </p:sp>
+        </mc:Fallback>
+      </mc:AlternateContent>
+      <p:sp>
+        <p:nvSpPr>
+          <p:cNvPr id="25" name="椭圆 24">
+            <a:extLst>
+              <a:ext uri="{FF2B5EF4-FFF2-40B4-BE49-F238E27FC236}">
+                <a16:creationId xmlns:a16="http://schemas.microsoft.com/office/drawing/2014/main" id="{3FBE3616-9A1F-679E-470B-64AC1F3F0526}"/>
+              </a:ext>
+            </a:extLst>
+          </p:cNvPr>
+          <p:cNvSpPr/>
+          <p:nvPr/>
+        </p:nvSpPr>
+        <p:spPr>
+          <a:xfrm>
+            <a:off x="1154491" y="2670763"/>
+            <a:ext cx="1287709" cy="377505"/>
+          </a:xfrm>
+          <a:prstGeom prst="ellipse">
+            <a:avLst/>
+          </a:prstGeom>
+          <a:solidFill>
+            <a:schemeClr val="bg2"/>
+          </a:solidFill>
+        </p:spPr>
+        <p:style>
+          <a:lnRef idx="2">
+            <a:schemeClr val="accent6"/>
+          </a:lnRef>
+          <a:fillRef idx="1">
+            <a:schemeClr val="lt1"/>
+          </a:fillRef>
+          <a:effectRef idx="0">
+            <a:schemeClr val="accent6"/>
+          </a:effectRef>
+          <a:fontRef idx="minor">
+            <a:schemeClr val="dk1"/>
+          </a:fontRef>
+        </p:style>
+        <p:txBody>
+          <a:bodyPr rtlCol="0" anchor="ctr"/>
+          <a:lstStyle/>
+          <a:p>
+            <a:pPr algn="ctr"/>
+            <a:r>
+              <a:rPr lang="en-US" altLang="zh-CN" dirty="0"/>
+              <a:t>Run</a:t>
+            </a:r>
+            <a:endParaRPr lang="zh-CN" altLang="en-US" dirty="0"/>
+          </a:p>
+        </p:txBody>
+      </p:sp>
+      <mc:AlternateContent xmlns:mc="http://schemas.openxmlformats.org/markup-compatibility/2006">
+        <mc:Choice xmlns:a14="http://schemas.microsoft.com/office/drawing/2010/main" Requires="a14">
+          <p:sp>
+            <p:nvSpPr>
+              <p:cNvPr id="27" name="文本框 26">
+                <a:extLst>
+                  <a:ext uri="{FF2B5EF4-FFF2-40B4-BE49-F238E27FC236}">
+                    <a16:creationId xmlns:a16="http://schemas.microsoft.com/office/drawing/2014/main" id="{5943F710-8363-A540-9380-674770C0DA6A}"/>
+                  </a:ext>
+                </a:extLst>
+              </p:cNvPr>
+              <p:cNvSpPr txBox="1"/>
+              <p:nvPr/>
+            </p:nvSpPr>
+            <p:spPr>
+              <a:xfrm>
+                <a:off x="1282786" y="3058426"/>
+                <a:ext cx="1036042" cy="462306"/>
+              </a:xfrm>
+              <a:prstGeom prst="rect">
+                <a:avLst/>
+              </a:prstGeom>
+              <a:noFill/>
+            </p:spPr>
+            <p:txBody>
+              <a:bodyPr wrap="square" rtlCol="0">
+                <a:spAutoFit/>
+              </a:bodyPr>
+              <a:lstStyle/>
+              <a:p>
+                <a:pPr/>
+                <a14:m>
+                  <m:oMathPara xmlns:m="http://schemas.openxmlformats.org/officeDocument/2006/math">
+                    <m:oMathParaPr>
+                      <m:jc m:val="centerGroup"/>
+                    </m:oMathParaPr>
+                    <m:oMath xmlns:m="http://schemas.openxmlformats.org/officeDocument/2006/math">
+                      <m:r>
+                        <a:rPr lang="en-US" altLang="zh-CN" sz="1200" b="0" i="1" smtClean="0">
+                          <a:latin typeface="Cambria Math" panose="02040503050406030204" pitchFamily="18" charset="0"/>
+                        </a:rPr>
+                        <m:t>𝑞𝑢𝑒𝑢𝑒</m:t>
+                      </m:r>
+                      <m:r>
+                        <a:rPr lang="en-US" altLang="zh-CN" sz="1200" b="0" i="1" smtClean="0">
+                          <a:latin typeface="Cambria Math" panose="02040503050406030204" pitchFamily="18" charset="0"/>
+                        </a:rPr>
+                        <m:t>=0</m:t>
+                      </m:r>
+                    </m:oMath>
+                  </m:oMathPara>
+                </a14:m>
+                <a:endParaRPr lang="en-US" altLang="zh-CN" sz="1200" dirty="0"/>
+              </a:p>
+              <a:p>
+                <a:pPr/>
+                <a14:m>
+                  <m:oMathPara xmlns:m="http://schemas.openxmlformats.org/officeDocument/2006/math">
+                    <m:oMathParaPr>
+                      <m:jc m:val="centerGroup"/>
+                    </m:oMathParaPr>
+                    <m:oMath xmlns:m="http://schemas.openxmlformats.org/officeDocument/2006/math">
+                      <m:r>
+                        <a:rPr lang="en-US" altLang="zh-CN" sz="1200" b="0" i="1" smtClean="0">
+                          <a:latin typeface="Cambria Math" panose="02040503050406030204" pitchFamily="18" charset="0"/>
+                        </a:rPr>
+                        <m:t>𝑖𝑑𝑙𝑒</m:t>
+                      </m:r>
+                      <m:r>
+                        <a:rPr lang="en-US" altLang="zh-CN" sz="1200" b="0" i="1" smtClean="0">
+                          <a:latin typeface="Cambria Math" panose="02040503050406030204" pitchFamily="18" charset="0"/>
+                        </a:rPr>
+                        <m:t>=2</m:t>
+                      </m:r>
+                    </m:oMath>
+                  </m:oMathPara>
+                </a14:m>
+                <a:endParaRPr lang="zh-CN" altLang="en-US" sz="1200" dirty="0"/>
+              </a:p>
+            </p:txBody>
+          </p:sp>
+        </mc:Choice>
+        <mc:Fallback>
+          <p:sp>
+            <p:nvSpPr>
+              <p:cNvPr id="27" name="文本框 26">
+                <a:extLst>
+                  <a:ext uri="{FF2B5EF4-FFF2-40B4-BE49-F238E27FC236}">
+                    <a16:creationId xmlns:a16="http://schemas.microsoft.com/office/drawing/2014/main" id="{5943F710-8363-A540-9380-674770C0DA6A}"/>
+                  </a:ext>
+                </a:extLst>
+              </p:cNvPr>
+              <p:cNvSpPr txBox="1">
+                <a:spLocks noRot="1" noChangeAspect="1" noMove="1" noResize="1" noEditPoints="1" noAdjustHandles="1" noChangeArrowheads="1" noChangeShapeType="1" noTextEdit="1"/>
+              </p:cNvSpPr>
+              <p:nvPr/>
+            </p:nvSpPr>
+            <p:spPr>
+              <a:xfrm>
+                <a:off x="1282786" y="3058426"/>
+                <a:ext cx="1036042" cy="462306"/>
+              </a:xfrm>
+              <a:prstGeom prst="rect">
+                <a:avLst/>
+              </a:prstGeom>
+              <a:blipFill>
+                <a:blip r:embed="rId9"/>
+                <a:stretch>
+                  <a:fillRect/>
+                </a:stretch>
+              </a:blipFill>
+            </p:spPr>
+            <p:txBody>
+              <a:bodyPr/>
+              <a:lstStyle/>
+              <a:p>
+                <a:r>
+                  <a:rPr lang="zh-CN" altLang="en-US">
+                    <a:noFill/>
+                  </a:rPr>
+                  <a:t> </a:t>
+                </a:r>
+              </a:p>
+            </p:txBody>
+          </p:sp>
+        </mc:Fallback>
+      </mc:AlternateContent>
+      <p:cxnSp>
+        <p:nvCxnSpPr>
+          <p:cNvPr id="28" name="直接箭头连接符 27">
+            <a:extLst>
+              <a:ext uri="{FF2B5EF4-FFF2-40B4-BE49-F238E27FC236}">
+                <a16:creationId xmlns:a16="http://schemas.microsoft.com/office/drawing/2014/main" id="{39B9651D-4189-F8AC-75D7-531E6D4EEB50}"/>
+              </a:ext>
+            </a:extLst>
+          </p:cNvPr>
+          <p:cNvCxnSpPr>
+            <a:cxnSpLocks/>
+            <a:stCxn id="25" idx="6"/>
+            <a:endCxn id="2" idx="2"/>
+          </p:cNvCxnSpPr>
+          <p:nvPr/>
+        </p:nvCxnSpPr>
+        <p:spPr>
+          <a:xfrm flipV="1">
+            <a:off x="2442200" y="2856976"/>
+            <a:ext cx="950061" cy="2540"/>
+          </a:xfrm>
+          <a:prstGeom prst="straightConnector1">
+            <a:avLst/>
+          </a:prstGeom>
+          <a:ln>
+            <a:tailEnd type="triangle"/>
+          </a:ln>
+        </p:spPr>
+        <p:style>
+          <a:lnRef idx="1">
+            <a:schemeClr val="dk1"/>
+          </a:lnRef>
+          <a:fillRef idx="0">
+            <a:schemeClr val="dk1"/>
+          </a:fillRef>
+          <a:effectRef idx="0">
+            <a:schemeClr val="dk1"/>
+          </a:effectRef>
+          <a:fontRef idx="minor">
+            <a:schemeClr val="tx1"/>
+          </a:fontRef>
+        </p:style>
+      </p:cxnSp>
+    </p:spTree>
+    <p:extLst>
+      <p:ext uri="{BB962C8B-B14F-4D97-AF65-F5344CB8AC3E}">
+        <p14:creationId xmlns:p14="http://schemas.microsoft.com/office/powerpoint/2010/main" val="898122654"/>
       </p:ext>
     </p:extLst>
   </p:cSld>
@@ -27602,12 +29063,9 @@
 </file>
 
 <file path=customXml/item1.xml><?xml version="1.0" encoding="utf-8"?>
-<?mso-contentType ?>
-<FormTemplates xmlns="http://schemas.microsoft.com/sharepoint/v3/contenttype/forms">
-  <Display>DocumentLibraryForm</Display>
-  <Edit>DocumentLibraryForm</Edit>
-  <New>DocumentLibraryForm</New>
-</FormTemplates>
+<p:properties xmlns:p="http://schemas.microsoft.com/office/2006/metadata/properties" xmlns:xsi="http://www.w3.org/2001/XMLSchema-instance" xmlns:pc="http://schemas.microsoft.com/office/infopath/2007/PartnerControls">
+  <documentManagement/>
+</p:properties>
 </file>
 
 <file path=customXml/item2.xml><?xml version="1.0" encoding="utf-8"?>
@@ -27775,15 +29233,26 @@
 </file>
 
 <file path=customXml/item3.xml><?xml version="1.0" encoding="utf-8"?>
-<p:properties xmlns:p="http://schemas.microsoft.com/office/2006/metadata/properties" xmlns:xsi="http://www.w3.org/2001/XMLSchema-instance" xmlns:pc="http://schemas.microsoft.com/office/infopath/2007/PartnerControls">
-  <documentManagement/>
-</p:properties>
+<?mso-contentType ?>
+<FormTemplates xmlns="http://schemas.microsoft.com/sharepoint/v3/contenttype/forms">
+  <Display>DocumentLibraryForm</Display>
+  <Edit>DocumentLibraryForm</Edit>
+  <New>DocumentLibraryForm</New>
+</FormTemplates>
 </file>
 
 <file path=customXml/itemProps1.xml><?xml version="1.0" encoding="utf-8"?>
-<ds:datastoreItem xmlns:ds="http://schemas.openxmlformats.org/officeDocument/2006/customXml" ds:itemID="{18700519-848D-4C80-BF65-61B556F7106E}">
+<ds:datastoreItem xmlns:ds="http://schemas.openxmlformats.org/officeDocument/2006/customXml" ds:itemID="{2AA6CE05-70F2-4203-8AFA-D6C110343A61}">
   <ds:schemaRefs>
-    <ds:schemaRef ds:uri="http://schemas.microsoft.com/sharepoint/v3/contenttype/forms"/>
+    <ds:schemaRef ds:uri="http://schemas.microsoft.com/office/infopath/2007/PartnerControls"/>
+    <ds:schemaRef ds:uri="http://purl.org/dc/elements/1.1/"/>
+    <ds:schemaRef ds:uri="http://schemas.microsoft.com/office/2006/metadata/properties"/>
+    <ds:schemaRef ds:uri="425219ba-412a-444d-aba8-f4226b7dc4fc"/>
+    <ds:schemaRef ds:uri="http://purl.org/dc/terms/"/>
+    <ds:schemaRef ds:uri="http://schemas.openxmlformats.org/package/2006/metadata/core-properties"/>
+    <ds:schemaRef ds:uri="http://schemas.microsoft.com/office/2006/documentManagement/types"/>
+    <ds:schemaRef ds:uri="http://www.w3.org/XML/1998/namespace"/>
+    <ds:schemaRef ds:uri="http://purl.org/dc/dcmitype/"/>
   </ds:schemaRefs>
 </ds:datastoreItem>
 </file>
@@ -27807,17 +29276,9 @@
 </file>
 
 <file path=customXml/itemProps3.xml><?xml version="1.0" encoding="utf-8"?>
-<ds:datastoreItem xmlns:ds="http://schemas.openxmlformats.org/officeDocument/2006/customXml" ds:itemID="{2AA6CE05-70F2-4203-8AFA-D6C110343A61}">
+<ds:datastoreItem xmlns:ds="http://schemas.openxmlformats.org/officeDocument/2006/customXml" ds:itemID="{18700519-848D-4C80-BF65-61B556F7106E}">
   <ds:schemaRefs>
-    <ds:schemaRef ds:uri="http://schemas.microsoft.com/office/infopath/2007/PartnerControls"/>
-    <ds:schemaRef ds:uri="http://purl.org/dc/elements/1.1/"/>
-    <ds:schemaRef ds:uri="http://schemas.microsoft.com/office/2006/metadata/properties"/>
-    <ds:schemaRef ds:uri="425219ba-412a-444d-aba8-f4226b7dc4fc"/>
-    <ds:schemaRef ds:uri="http://purl.org/dc/terms/"/>
-    <ds:schemaRef ds:uri="http://schemas.openxmlformats.org/package/2006/metadata/core-properties"/>
-    <ds:schemaRef ds:uri="http://schemas.microsoft.com/office/2006/documentManagement/types"/>
-    <ds:schemaRef ds:uri="http://www.w3.org/XML/1998/namespace"/>
-    <ds:schemaRef ds:uri="http://purl.org/dc/dcmitype/"/>
+    <ds:schemaRef ds:uri="http://schemas.microsoft.com/sharepoint/v3/contenttype/forms"/>
   </ds:schemaRefs>
 </ds:datastoreItem>
 </file>